--- a/03. Async JS/tasks.pptx
+++ b/03. Async JS/tasks.pptx
@@ -11792,14 +11792,45 @@
             <p:ph type="title"/>
           </p:nvPr>
         </p:nvSpPr>
-        <p:spPr/>
+        <p:spPr>
+          <a:xfrm>
+            <a:off x="677158" y="381000"/>
+            <a:ext cx="10827454" cy="1143000"/>
+          </a:xfrm>
+        </p:spPr>
         <p:txBody>
-          <a:bodyPr/>
+          <a:bodyPr>
+            <a:normAutofit fontScale="90000"/>
+          </a:bodyPr>
           <a:lstStyle/>
           <a:p>
             <a:r>
               <a:rPr lang="bg-BG" dirty="0"/>
               <a:t>Създайте структурата на проекта</a:t>
+            </a:r>
+            <a:br>
+              <a:rPr lang="en-US" dirty="0"/>
+            </a:br>
+            <a:r>
+              <a:rPr lang="bg-BG" sz="2800" dirty="0"/>
+              <a:t>Ресурси може да намерите </a:t>
+            </a:r>
+            <a:r>
+              <a:rPr lang="bg-BG" sz="2800" dirty="0">
+                <a:hlinkClick r:id="rId2"/>
+              </a:rPr>
+              <a:t>тук</a:t>
+            </a:r>
+            <a:r>
+              <a:rPr lang="bg-BG" sz="2800" dirty="0"/>
+              <a:t>.</a:t>
+            </a:r>
+            <a:br>
+              <a:rPr lang="bg-BG" sz="2800" dirty="0"/>
+            </a:br>
+            <a:r>
+              <a:rPr lang="en-US" sz="2000" dirty="0"/>
+              <a:t>https://github.com/profjordanov/hybrid-app-development/raw/master/03.%20Async%20JS/Library.zip</a:t>
             </a:r>
             <a:endParaRPr lang="en-US" dirty="0"/>
           </a:p>
@@ -11838,14 +11869,14 @@
           <p:nvPr/>
         </p:nvPicPr>
         <p:blipFill>
-          <a:blip r:embed="rId2"/>
+          <a:blip r:embed="rId3"/>
           <a:stretch>
             <a:fillRect/>
           </a:stretch>
         </p:blipFill>
         <p:spPr>
           <a:xfrm>
-            <a:off x="3246567" y="1662529"/>
+            <a:off x="3046412" y="1733448"/>
             <a:ext cx="5692515" cy="4294560"/>
           </a:xfrm>
           <a:prstGeom prst="rect">

--- a/03. Async JS/tasks.pptx
+++ b/03. Async JS/tasks.pptx
@@ -435,7 +435,7 @@
             <a:fld id="{FE5B4EDC-59C0-49C7-8ADA-5A781B329E02}" type="datetimeFigureOut">
               <a:rPr lang="en-US"/>
               <a:pPr/>
-              <a:t>12/14/2020</a:t>
+              <a:t>1/29/2024</a:t>
             </a:fld>
             <a:endParaRPr dirty="0"/>
           </a:p>
@@ -634,7 +634,7 @@
             <a:fld id="{F2D8D46A-B586-417D-BFBD-8C8FE0AAF762}" type="datetimeFigureOut">
               <a:rPr lang="en-US" smtClean="0"/>
               <a:pPr/>
-              <a:t>12/14/2020</a:t>
+              <a:t>1/29/2024</a:t>
             </a:fld>
             <a:endParaRPr lang="en-US"/>
           </a:p>
@@ -1716,7 +1716,7 @@
           <a:p>
             <a:fld id="{BD4413F5-140F-49AE-A555-A59D8CAFFF50}" type="datetimeFigureOut">
               <a:rPr lang="en-US" smtClean="0"/>
-              <a:t>12/14/2020</a:t>
+              <a:t>1/29/2024</a:t>
             </a:fld>
             <a:endParaRPr lang="en-US"/>
           </a:p>
@@ -2000,7 +2000,7 @@
             <a:fld id="{055373AC-9AA7-423B-BA00-BA1C74164DBD}" type="datetime1">
               <a:rPr lang="en-US" smtClean="0"/>
               <a:pPr/>
-              <a:t>12/14/2020</a:t>
+              <a:t>1/29/2024</a:t>
             </a:fld>
             <a:endParaRPr lang="en-US" dirty="0"/>
           </a:p>
@@ -2317,7 +2317,7 @@
             <a:fld id="{055373AC-9AA7-423B-BA00-BA1C74164DBD}" type="datetime1">
               <a:rPr lang="en-US" smtClean="0"/>
               <a:pPr/>
-              <a:t>12/14/2020</a:t>
+              <a:t>1/29/2024</a:t>
             </a:fld>
             <a:endParaRPr lang="en-US" dirty="0"/>
           </a:p>
@@ -2661,7 +2661,7 @@
             <a:fld id="{055373AC-9AA7-423B-BA00-BA1C74164DBD}" type="datetime1">
               <a:rPr lang="en-US" smtClean="0"/>
               <a:pPr/>
-              <a:t>12/14/2020</a:t>
+              <a:t>1/29/2024</a:t>
             </a:fld>
             <a:endParaRPr lang="en-US" dirty="0"/>
           </a:p>
@@ -2978,7 +2978,7 @@
             <a:fld id="{055373AC-9AA7-423B-BA00-BA1C74164DBD}" type="datetime1">
               <a:rPr lang="en-US" smtClean="0"/>
               <a:pPr/>
-              <a:t>12/14/2020</a:t>
+              <a:t>1/29/2024</a:t>
             </a:fld>
             <a:endParaRPr lang="en-US" dirty="0"/>
           </a:p>
@@ -3374,7 +3374,7 @@
             <a:fld id="{055373AC-9AA7-423B-BA00-BA1C74164DBD}" type="datetime1">
               <a:rPr lang="en-US" smtClean="0"/>
               <a:pPr/>
-              <a:t>12/14/2020</a:t>
+              <a:t>1/29/2024</a:t>
             </a:fld>
             <a:endParaRPr lang="en-US" dirty="0"/>
           </a:p>
@@ -3547,7 +3547,7 @@
             <a:fld id="{055373AC-9AA7-423B-BA00-BA1C74164DBD}" type="datetime1">
               <a:rPr lang="en-US" smtClean="0"/>
               <a:pPr/>
-              <a:t>12/14/2020</a:t>
+              <a:t>1/29/2024</a:t>
             </a:fld>
             <a:endParaRPr lang="en-US" dirty="0"/>
           </a:p>
@@ -3730,7 +3730,7 @@
             <a:fld id="{055373AC-9AA7-423B-BA00-BA1C74164DBD}" type="datetime1">
               <a:rPr lang="en-US" smtClean="0"/>
               <a:pPr/>
-              <a:t>12/14/2020</a:t>
+              <a:t>1/29/2024</a:t>
             </a:fld>
             <a:endParaRPr lang="en-US" dirty="0"/>
           </a:p>
@@ -3846,7 +3846,7 @@
             <a:fld id="{055373AC-9AA7-423B-BA00-BA1C74164DBD}" type="datetime1">
               <a:rPr lang="en-US" smtClean="0"/>
               <a:pPr/>
-              <a:t>12/14/2020</a:t>
+              <a:t>1/29/2024</a:t>
             </a:fld>
             <a:endParaRPr lang="en-US" dirty="0"/>
           </a:p>
@@ -4208,7 +4208,7 @@
             <a:fld id="{055373AC-9AA7-423B-BA00-BA1C74164DBD}" type="datetime1">
               <a:rPr lang="en-US" smtClean="0"/>
               <a:pPr/>
-              <a:t>12/14/2020</a:t>
+              <a:t>1/29/2024</a:t>
             </a:fld>
             <a:endParaRPr lang="en-US" dirty="0"/>
           </a:p>
@@ -4489,7 +4489,7 @@
             <a:fld id="{055373AC-9AA7-423B-BA00-BA1C74164DBD}" type="datetime1">
               <a:rPr lang="en-US" smtClean="0"/>
               <a:pPr/>
-              <a:t>12/14/2020</a:t>
+              <a:t>1/29/2024</a:t>
             </a:fld>
             <a:endParaRPr lang="en-US" dirty="0"/>
           </a:p>
@@ -4724,7 +4724,7 @@
             <a:fld id="{055373AC-9AA7-423B-BA00-BA1C74164DBD}" type="datetime1">
               <a:rPr lang="en-US" smtClean="0"/>
               <a:pPr/>
-              <a:t>12/14/2020</a:t>
+              <a:t>1/29/2024</a:t>
             </a:fld>
             <a:endParaRPr lang="en-US" dirty="0"/>
           </a:p>
@@ -5101,7 +5101,7 @@
             <a:fld id="{055373AC-9AA7-423B-BA00-BA1C74164DBD}" type="datetime1">
               <a:rPr lang="en-US" smtClean="0"/>
               <a:pPr/>
-              <a:t>12/14/2020</a:t>
+              <a:t>1/29/2024</a:t>
             </a:fld>
             <a:endParaRPr lang="en-US" dirty="0"/>
           </a:p>
@@ -5227,7 +5227,7 @@
             <a:fld id="{055373AC-9AA7-423B-BA00-BA1C74164DBD}" type="datetime1">
               <a:rPr lang="en-US" smtClean="0"/>
               <a:pPr/>
-              <a:t>12/14/2020</a:t>
+              <a:t>1/29/2024</a:t>
             </a:fld>
             <a:endParaRPr lang="en-US" dirty="0"/>
           </a:p>
@@ -5325,7 +5325,7 @@
             <a:fld id="{055373AC-9AA7-423B-BA00-BA1C74164DBD}" type="datetime1">
               <a:rPr lang="en-US" smtClean="0"/>
               <a:pPr/>
-              <a:t>12/14/2020</a:t>
+              <a:t>1/29/2024</a:t>
             </a:fld>
             <a:endParaRPr lang="en-US" dirty="0"/>
           </a:p>
@@ -5583,7 +5583,7 @@
             <a:fld id="{055373AC-9AA7-423B-BA00-BA1C74164DBD}" type="datetime1">
               <a:rPr lang="en-US" smtClean="0"/>
               <a:pPr/>
-              <a:t>12/14/2020</a:t>
+              <a:t>1/29/2024</a:t>
             </a:fld>
             <a:endParaRPr lang="en-US" dirty="0"/>
           </a:p>
@@ -5849,7 +5849,7 @@
             <a:fld id="{055373AC-9AA7-423B-BA00-BA1C74164DBD}" type="datetime1">
               <a:rPr lang="en-US" smtClean="0"/>
               <a:pPr/>
-              <a:t>12/14/2020</a:t>
+              <a:t>1/29/2024</a:t>
             </a:fld>
             <a:endParaRPr lang="en-US" dirty="0"/>
           </a:p>
@@ -6595,7 +6595,7 @@
             <a:fld id="{055373AC-9AA7-423B-BA00-BA1C74164DBD}" type="datetime1">
               <a:rPr lang="en-US" smtClean="0"/>
               <a:pPr/>
-              <a:t>12/14/2020</a:t>
+              <a:t>1/29/2024</a:t>
             </a:fld>
             <a:endParaRPr lang="en-US" dirty="0"/>
           </a:p>
@@ -7163,7 +7163,7 @@
         </p:spPr>
         <p:txBody>
           <a:bodyPr vert="horz" lIns="91440" tIns="45720" rIns="91440" bIns="45720" rtlCol="0" anchor="t">
-            <a:normAutofit fontScale="92500"/>
+            <a:normAutofit lnSpcReduction="10000"/>
           </a:bodyPr>
           <a:lstStyle>
             <a:lvl1pPr algn="l" defTabSz="457063" rtl="0" eaLnBrk="1" latinLnBrk="0" hangingPunct="1">
@@ -7253,15 +7253,7 @@
             </a:r>
             <a:r>
               <a:rPr lang="ru-RU" dirty="0"/>
-              <a:t> страница (SPA) с </a:t>
-            </a:r>
-            <a:r>
-              <a:rPr lang="ru-RU" dirty="0" err="1"/>
-              <a:t>jQuery</a:t>
-            </a:r>
-            <a:r>
-              <a:rPr lang="ru-RU" dirty="0"/>
-              <a:t> AJAX, REST и </a:t>
+              <a:t> страница (SPA) с AJAX, REST и </a:t>
             </a:r>
             <a:r>
               <a:rPr lang="ru-RU" dirty="0" err="1"/>
